--- a/Đặng-Ngọc-Anh-215748020110333.pptx
+++ b/Đặng-Ngọc-Anh-215748020110333.pptx
@@ -347,7 +347,7 @@
           <a:p>
             <a:fld id="{7452C1E4-F2BB-41FA-B7E2-40ADEE28A648}" type="datetimeFigureOut">
               <a:rPr lang="en-US" smtClean="0"/>
-              <a:t>10/1/2024</a:t>
+              <a:t>11/11/2024</a:t>
             </a:fld>
             <a:endParaRPr lang="en-US"/>
           </a:p>
@@ -555,7 +555,7 @@
           <a:p>
             <a:fld id="{7452C1E4-F2BB-41FA-B7E2-40ADEE28A648}" type="datetimeFigureOut">
               <a:rPr lang="en-US" smtClean="0"/>
-              <a:t>10/1/2024</a:t>
+              <a:t>11/11/2024</a:t>
             </a:fld>
             <a:endParaRPr lang="en-US"/>
           </a:p>
@@ -811,7 +811,7 @@
           <a:p>
             <a:fld id="{7452C1E4-F2BB-41FA-B7E2-40ADEE28A648}" type="datetimeFigureOut">
               <a:rPr lang="en-US" smtClean="0"/>
-              <a:t>10/1/2024</a:t>
+              <a:t>11/11/2024</a:t>
             </a:fld>
             <a:endParaRPr lang="en-US"/>
           </a:p>
@@ -981,7 +981,7 @@
           <a:p>
             <a:fld id="{7452C1E4-F2BB-41FA-B7E2-40ADEE28A648}" type="datetimeFigureOut">
               <a:rPr lang="en-US" smtClean="0"/>
-              <a:t>10/1/2024</a:t>
+              <a:t>11/11/2024</a:t>
             </a:fld>
             <a:endParaRPr lang="en-US"/>
           </a:p>
@@ -1324,7 +1324,7 @@
           <a:p>
             <a:fld id="{7452C1E4-F2BB-41FA-B7E2-40ADEE28A648}" type="datetimeFigureOut">
               <a:rPr lang="en-US" smtClean="0"/>
-              <a:t>10/1/2024</a:t>
+              <a:t>11/11/2024</a:t>
             </a:fld>
             <a:endParaRPr lang="en-US"/>
           </a:p>
@@ -1599,7 +1599,7 @@
           <a:p>
             <a:fld id="{7452C1E4-F2BB-41FA-B7E2-40ADEE28A648}" type="datetimeFigureOut">
               <a:rPr lang="en-US" smtClean="0"/>
-              <a:t>10/1/2024</a:t>
+              <a:t>11/11/2024</a:t>
             </a:fld>
             <a:endParaRPr lang="en-US"/>
           </a:p>
@@ -1978,7 +1978,7 @@
           <a:p>
             <a:fld id="{7452C1E4-F2BB-41FA-B7E2-40ADEE28A648}" type="datetimeFigureOut">
               <a:rPr lang="en-US" smtClean="0"/>
-              <a:t>10/1/2024</a:t>
+              <a:t>11/11/2024</a:t>
             </a:fld>
             <a:endParaRPr lang="en-US"/>
           </a:p>
@@ -2096,7 +2096,7 @@
           <a:p>
             <a:fld id="{7452C1E4-F2BB-41FA-B7E2-40ADEE28A648}" type="datetimeFigureOut">
               <a:rPr lang="en-US" smtClean="0"/>
-              <a:t>10/1/2024</a:t>
+              <a:t>11/11/2024</a:t>
             </a:fld>
             <a:endParaRPr lang="en-US"/>
           </a:p>
@@ -2267,7 +2267,7 @@
           <a:p>
             <a:fld id="{7452C1E4-F2BB-41FA-B7E2-40ADEE28A648}" type="datetimeFigureOut">
               <a:rPr lang="en-US" smtClean="0"/>
-              <a:t>10/1/2024</a:t>
+              <a:t>11/11/2024</a:t>
             </a:fld>
             <a:endParaRPr lang="en-US"/>
           </a:p>
@@ -2621,7 +2621,7 @@
           <a:p>
             <a:fld id="{7452C1E4-F2BB-41FA-B7E2-40ADEE28A648}" type="datetimeFigureOut">
               <a:rPr lang="en-US" smtClean="0"/>
-              <a:t>10/1/2024</a:t>
+              <a:t>11/11/2024</a:t>
             </a:fld>
             <a:endParaRPr lang="en-US"/>
           </a:p>
@@ -2998,7 +2998,7 @@
           <a:p>
             <a:fld id="{7452C1E4-F2BB-41FA-B7E2-40ADEE28A648}" type="datetimeFigureOut">
               <a:rPr lang="en-US" smtClean="0"/>
-              <a:t>10/1/2024</a:t>
+              <a:t>11/11/2024</a:t>
             </a:fld>
             <a:endParaRPr lang="en-US"/>
           </a:p>
@@ -3285,7 +3285,7 @@
           <a:p>
             <a:fld id="{7452C1E4-F2BB-41FA-B7E2-40ADEE28A648}" type="datetimeFigureOut">
               <a:rPr lang="en-US" smtClean="0"/>
-              <a:t>10/1/2024</a:t>
+              <a:t>11/11/2024</a:t>
             </a:fld>
             <a:endParaRPr lang="en-US"/>
           </a:p>
@@ -4022,8 +4022,8 @@
         </p:nvSpPr>
         <p:spPr>
           <a:xfrm>
-            <a:off x="958592" y="2725228"/>
-            <a:ext cx="10274816" cy="1569660"/>
+            <a:off x="1356182" y="2746169"/>
+            <a:ext cx="9479636" cy="1569660"/>
           </a:xfrm>
           <a:prstGeom prst="rect">
             <a:avLst/>
@@ -4046,7 +4046,7 @@
                 <a:ea typeface="Tahoma" panose="020B0604030504040204" pitchFamily="34" charset="0"/>
                 <a:cs typeface="Tahoma" panose="020B0604030504040204" pitchFamily="34" charset="0"/>
               </a:rPr>
-              <a:t>XÂY DỰNG HỆ THỐNG </a:t>
+              <a:t>XÂY DỰNG TRANG WEB</a:t>
             </a:r>
           </a:p>
           <a:p>
@@ -4060,7 +4060,7 @@
                 <a:ea typeface="Tahoma" panose="020B0604030504040204" pitchFamily="34" charset="0"/>
                 <a:cs typeface="Tahoma" panose="020B0604030504040204" pitchFamily="34" charset="0"/>
               </a:rPr>
-              <a:t>VẬN HÀNH, QUẢN LÝ VÀ GIÁM SÁT QUY TRÌNH THI TRẮC NGHIỆM KHÁCH QUAN </a:t>
+              <a:t>VẬN HÀNH VÀ QUẢN LÝ QUY TRÌNH THI TRẮC NGHIỆM KHÁCH QUAN </a:t>
             </a:r>
           </a:p>
         </p:txBody>
@@ -25879,18 +25879,18 @@
 </file>
 
 <file path=customXml/item1.xml><?xml version="1.0" encoding="utf-8"?>
-<p:properties xmlns:p="http://schemas.microsoft.com/office/2006/metadata/properties" xmlns:xsi="http://www.w3.org/2001/XMLSchema-instance" xmlns:pc="http://schemas.microsoft.com/office/infopath/2007/PartnerControls">
-  <documentManagement/>
-</p:properties>
-</file>
-
-<file path=customXml/item2.xml><?xml version="1.0" encoding="utf-8"?>
 <?mso-contentType ?>
 <FormTemplates xmlns="http://schemas.microsoft.com/sharepoint/v3/contenttype/forms">
   <Display>DocumentLibraryForm</Display>
   <Edit>DocumentLibraryForm</Edit>
   <New>DocumentLibraryForm</New>
 </FormTemplates>
+</file>
+
+<file path=customXml/item2.xml><?xml version="1.0" encoding="utf-8"?>
+<p:properties xmlns:p="http://schemas.microsoft.com/office/2006/metadata/properties" xmlns:xsi="http://www.w3.org/2001/XMLSchema-instance" xmlns:pc="http://schemas.microsoft.com/office/infopath/2007/PartnerControls">
+  <documentManagement/>
+</p:properties>
 </file>
 
 <file path=customXml/item3.xml><?xml version="1.0" encoding="utf-8"?>
@@ -26083,6 +26083,14 @@
 </file>
 
 <file path=customXml/itemProps1.xml><?xml version="1.0" encoding="utf-8"?>
+<ds:datastoreItem xmlns:ds="http://schemas.openxmlformats.org/officeDocument/2006/customXml" ds:itemID="{2745A96D-8235-4C51-8F04-7ECD0F89F3BB}">
+  <ds:schemaRefs>
+    <ds:schemaRef ds:uri="http://schemas.microsoft.com/sharepoint/v3/contenttype/forms"/>
+  </ds:schemaRefs>
+</ds:datastoreItem>
+</file>
+
+<file path=customXml/itemProps2.xml><?xml version="1.0" encoding="utf-8"?>
 <ds:datastoreItem xmlns:ds="http://schemas.openxmlformats.org/officeDocument/2006/customXml" ds:itemID="{0EBCBC7E-B4C3-4CFD-88C7-8DC2007F9182}">
   <ds:schemaRefs>
     <ds:schemaRef ds:uri="http://purl.org/dc/terms/"/>
@@ -26095,14 +26103,6 @@
     <ds:schemaRef ds:uri="a8fb7a21-a572-453d-8e18-3fb505ed7873"/>
     <ds:schemaRef ds:uri="http://schemas.openxmlformats.org/package/2006/metadata/core-properties"/>
     <ds:schemaRef ds:uri="4061f06c-8b79-4f0e-b264-935bdec78877"/>
-  </ds:schemaRefs>
-</ds:datastoreItem>
-</file>
-
-<file path=customXml/itemProps2.xml><?xml version="1.0" encoding="utf-8"?>
-<ds:datastoreItem xmlns:ds="http://schemas.openxmlformats.org/officeDocument/2006/customXml" ds:itemID="{2745A96D-8235-4C51-8F04-7ECD0F89F3BB}">
-  <ds:schemaRefs>
-    <ds:schemaRef ds:uri="http://schemas.microsoft.com/sharepoint/v3/contenttype/forms"/>
   </ds:schemaRefs>
 </ds:datastoreItem>
 </file>
